--- a/machine learning/Diabetes_results.pptx
+++ b/machine learning/Diabetes_results.pptx
@@ -7,9 +7,12 @@
   <p:sldIdLst>
     <p:sldId id="256" r:id="rId2"/>
     <p:sldId id="258" r:id="rId3"/>
-    <p:sldId id="257" r:id="rId4"/>
-    <p:sldId id="259" r:id="rId5"/>
-    <p:sldId id="260" r:id="rId6"/>
+    <p:sldId id="259" r:id="rId4"/>
+    <p:sldId id="263" r:id="rId5"/>
+    <p:sldId id="257" r:id="rId6"/>
+    <p:sldId id="260" r:id="rId7"/>
+    <p:sldId id="261" r:id="rId8"/>
+    <p:sldId id="262" r:id="rId9"/>
   </p:sldIdLst>
   <p:sldSz cx="12192000" cy="6858000"/>
   <p:notesSz cx="6858000" cy="9144000"/>
@@ -108,6 +111,11 @@
       </a:defRPr>
     </a:lvl9pPr>
   </p:defaultTextStyle>
+  <p:extLst>
+    <p:ext uri="{EFAFB233-063F-42B5-8137-9DF3F51BA10A}">
+      <p15:sldGuideLst xmlns:p15="http://schemas.microsoft.com/office/powerpoint/2012/main"/>
+    </p:ext>
+  </p:extLst>
 </p:presentation>
 </file>
 
@@ -258,7 +266,7 @@
           <a:p>
             <a:fld id="{82EDB8D0-98ED-4B86-9D5F-E61ADC70144D}" type="datetimeFigureOut">
               <a:rPr lang="en-US" smtClean="0"/>
-              <a:t>8/28/2023</a:t>
+              <a:t>8/29/2023</a:t>
             </a:fld>
             <a:endParaRPr lang="en-US" dirty="0"/>
           </a:p>
@@ -673,7 +681,7 @@
           <a:p>
             <a:fld id="{82EDB8D0-98ED-4B86-9D5F-E61ADC70144D}" type="datetimeFigureOut">
               <a:rPr lang="en-US" smtClean="0"/>
-              <a:t>8/28/2023</a:t>
+              <a:t>8/29/2023</a:t>
             </a:fld>
             <a:endParaRPr lang="en-US"/>
           </a:p>
@@ -1165,7 +1173,7 @@
           <a:p>
             <a:fld id="{82EDB8D0-98ED-4B86-9D5F-E61ADC70144D}" type="datetimeFigureOut">
               <a:rPr lang="en-US" smtClean="0"/>
-              <a:t>8/28/2023</a:t>
+              <a:t>8/29/2023</a:t>
             </a:fld>
             <a:endParaRPr lang="en-US"/>
           </a:p>
@@ -1652,7 +1660,7 @@
           <a:p>
             <a:fld id="{82EDB8D0-98ED-4B86-9D5F-E61ADC70144D}" type="datetimeFigureOut">
               <a:rPr lang="en-US" smtClean="0"/>
-              <a:t>8/28/2023</a:t>
+              <a:t>8/29/2023</a:t>
             </a:fld>
             <a:endParaRPr lang="en-US" dirty="0"/>
           </a:p>
@@ -2421,7 +2429,7 @@
           <a:p>
             <a:fld id="{82EDB8D0-98ED-4B86-9D5F-E61ADC70144D}" type="datetimeFigureOut">
               <a:rPr lang="en-US" smtClean="0"/>
-              <a:t>8/28/2023</a:t>
+              <a:t>8/29/2023</a:t>
             </a:fld>
             <a:endParaRPr lang="en-US"/>
           </a:p>
@@ -2903,7 +2911,7 @@
           <a:p>
             <a:fld id="{82EDB8D0-98ED-4B86-9D5F-E61ADC70144D}" type="datetimeFigureOut">
               <a:rPr lang="en-US" smtClean="0"/>
-              <a:t>8/28/2023</a:t>
+              <a:t>8/29/2023</a:t>
             </a:fld>
             <a:endParaRPr lang="en-US"/>
           </a:p>
@@ -3599,7 +3607,7 @@
           <a:p>
             <a:fld id="{82EDB8D0-98ED-4B86-9D5F-E61ADC70144D}" type="datetimeFigureOut">
               <a:rPr lang="en-US" smtClean="0"/>
-              <a:t>8/28/2023</a:t>
+              <a:t>8/29/2023</a:t>
             </a:fld>
             <a:endParaRPr lang="en-US"/>
           </a:p>
@@ -4024,7 +4032,7 @@
           <a:p>
             <a:fld id="{82EDB8D0-98ED-4B86-9D5F-E61ADC70144D}" type="datetimeFigureOut">
               <a:rPr lang="en-US" smtClean="0"/>
-              <a:t>8/28/2023</a:t>
+              <a:t>8/29/2023</a:t>
             </a:fld>
             <a:endParaRPr lang="en-US"/>
           </a:p>
@@ -4421,7 +4429,7 @@
           <a:p>
             <a:fld id="{82EDB8D0-98ED-4B86-9D5F-E61ADC70144D}" type="datetimeFigureOut">
               <a:rPr lang="en-US" smtClean="0"/>
-              <a:t>8/28/2023</a:t>
+              <a:t>8/29/2023</a:t>
             </a:fld>
             <a:endParaRPr lang="en-US"/>
           </a:p>
@@ -5016,7 +5024,7 @@
           <a:p>
             <a:fld id="{82EDB8D0-98ED-4B86-9D5F-E61ADC70144D}" type="datetimeFigureOut">
               <a:rPr lang="en-US" smtClean="0"/>
-              <a:t>8/28/2023</a:t>
+              <a:t>8/29/2023</a:t>
             </a:fld>
             <a:endParaRPr lang="en-US"/>
           </a:p>
@@ -5591,7 +5599,7 @@
           <a:p>
             <a:fld id="{82EDB8D0-98ED-4B86-9D5F-E61ADC70144D}" type="datetimeFigureOut">
               <a:rPr lang="en-US" smtClean="0"/>
-              <a:t>8/28/2023</a:t>
+              <a:t>8/29/2023</a:t>
             </a:fld>
             <a:endParaRPr lang="en-US"/>
           </a:p>
@@ -6118,7 +6126,7 @@
             <a:fld id="{82EDB8D0-98ED-4B86-9D5F-E61ADC70144D}" type="datetimeFigureOut">
               <a:rPr lang="en-US" smtClean="0"/>
               <a:pPr/>
-              <a:t>8/28/2023</a:t>
+              <a:t>8/29/2023</a:t>
             </a:fld>
             <a:endParaRPr lang="en-US" dirty="0"/>
           </a:p>
@@ -6873,7 +6881,7 @@
         </p:nvSpPr>
         <p:spPr>
           <a:xfrm>
-            <a:off x="860742" y="3633691"/>
+            <a:off x="860742" y="3853656"/>
             <a:ext cx="4425962" cy="1655762"/>
           </a:xfrm>
         </p:spPr>
@@ -7172,10 +7180,10 @@
       </p:grpSpPr>
       <p:pic>
         <p:nvPicPr>
-          <p:cNvPr id="3" name="Picture 2">
-            <a:extLst>
-              <a:ext uri="{FF2B5EF4-FFF2-40B4-BE49-F238E27FC236}">
-                <a16:creationId xmlns:a16="http://schemas.microsoft.com/office/drawing/2014/main" id="{1A990ED3-1778-0630-5D31-FB640E70A080}"/>
+          <p:cNvPr id="4" name="Picture 3">
+            <a:extLst>
+              <a:ext uri="{FF2B5EF4-FFF2-40B4-BE49-F238E27FC236}">
+                <a16:creationId xmlns:a16="http://schemas.microsoft.com/office/drawing/2014/main" id="{DCAEED0B-0D70-64DD-3476-186ED24D06A2}"/>
               </a:ext>
             </a:extLst>
           </p:cNvPr>
@@ -7192,14 +7200,144 @@
         </p:blipFill>
         <p:spPr>
           <a:xfrm>
-            <a:off x="4249703" y="884120"/>
-            <a:ext cx="7577383" cy="5333800"/>
+            <a:off x="5669915" y="1156970"/>
+            <a:ext cx="6067125" cy="4044750"/>
           </a:xfrm>
           <a:prstGeom prst="rect">
             <a:avLst/>
           </a:prstGeom>
         </p:spPr>
       </p:pic>
+      <p:sp>
+        <p:nvSpPr>
+          <p:cNvPr id="5" name="TextBox 4">
+            <a:extLst>
+              <a:ext uri="{FF2B5EF4-FFF2-40B4-BE49-F238E27FC236}">
+                <a16:creationId xmlns:a16="http://schemas.microsoft.com/office/drawing/2014/main" id="{3937CC5D-BF3F-5D18-8037-A8CA1582115C}"/>
+              </a:ext>
+            </a:extLst>
+          </p:cNvPr>
+          <p:cNvSpPr txBox="1"/>
+          <p:nvPr/>
+        </p:nvSpPr>
+        <p:spPr>
+          <a:xfrm>
+            <a:off x="2552700" y="333375"/>
+            <a:ext cx="7669728" cy="461665"/>
+          </a:xfrm>
+          <a:prstGeom prst="rect">
+            <a:avLst/>
+          </a:prstGeom>
+          <a:noFill/>
+        </p:spPr>
+        <p:txBody>
+          <a:bodyPr wrap="none" rtlCol="0">
+            <a:spAutoFit/>
+          </a:bodyPr>
+          <a:lstStyle/>
+          <a:p>
+            <a:r>
+              <a:rPr lang="en-US" sz="2400" dirty="0"/>
+              <a:t>Correlation between variables in the diabetes dataset</a:t>
+            </a:r>
+            <a:endParaRPr lang="en-NZ" sz="2400" dirty="0"/>
+          </a:p>
+        </p:txBody>
+      </p:sp>
+      <p:sp>
+        <p:nvSpPr>
+          <p:cNvPr id="6" name="TextBox 5">
+            <a:extLst>
+              <a:ext uri="{FF2B5EF4-FFF2-40B4-BE49-F238E27FC236}">
+                <a16:creationId xmlns:a16="http://schemas.microsoft.com/office/drawing/2014/main" id="{DC0A8C73-FD4B-B3AA-392C-35543B583796}"/>
+              </a:ext>
+            </a:extLst>
+          </p:cNvPr>
+          <p:cNvSpPr txBox="1"/>
+          <p:nvPr/>
+        </p:nvSpPr>
+        <p:spPr>
+          <a:xfrm>
+            <a:off x="346849" y="1285875"/>
+            <a:ext cx="4739501" cy="2862322"/>
+          </a:xfrm>
+          <a:prstGeom prst="rect">
+            <a:avLst/>
+          </a:prstGeom>
+          <a:noFill/>
+        </p:spPr>
+        <p:txBody>
+          <a:bodyPr wrap="square" rtlCol="0">
+            <a:spAutoFit/>
+          </a:bodyPr>
+          <a:lstStyle/>
+          <a:p>
+            <a:r>
+              <a:rPr lang="en-US" dirty="0"/>
+              <a:t>What we learn: </a:t>
+            </a:r>
+          </a:p>
+          <a:p>
+            <a:endParaRPr lang="en-US" dirty="0"/>
+          </a:p>
+          <a:p>
+            <a:r>
+              <a:rPr lang="en-US" dirty="0"/>
+              <a:t>The diabetes disease (target) is highly correlated with sex, BMI, average blood pressure (bp), high-density lipoprotein (</a:t>
+            </a:r>
+            <a:r>
+              <a:rPr lang="en-US" dirty="0" err="1"/>
+              <a:t>hdl</a:t>
+            </a:r>
+            <a:r>
+              <a:rPr lang="en-US" dirty="0"/>
+              <a:t>), possibly log of serum triglyceride levels (</a:t>
+            </a:r>
+            <a:r>
+              <a:rPr lang="en-US" dirty="0" err="1"/>
+              <a:t>ltg</a:t>
+            </a:r>
+            <a:r>
+              <a:rPr lang="en-US" dirty="0"/>
+              <a:t>) and blood sugar level (</a:t>
+            </a:r>
+            <a:r>
+              <a:rPr lang="en-US" dirty="0" err="1"/>
+              <a:t>glu</a:t>
+            </a:r>
+            <a:r>
+              <a:rPr lang="en-US" dirty="0"/>
+              <a:t>).</a:t>
+            </a:r>
+          </a:p>
+          <a:p>
+            <a:endParaRPr lang="en-US" dirty="0"/>
+          </a:p>
+          <a:p>
+            <a:r>
+              <a:rPr lang="en-US" dirty="0"/>
+              <a:t>And slightly correlated to age, total serum cholesterol (</a:t>
+            </a:r>
+            <a:r>
+              <a:rPr lang="en-US" dirty="0" err="1"/>
+              <a:t>tc</a:t>
+            </a:r>
+            <a:r>
+              <a:rPr lang="en-US" dirty="0"/>
+              <a:t>) low-density lipoprotein (</a:t>
+            </a:r>
+            <a:r>
+              <a:rPr lang="en-US" dirty="0" err="1"/>
+              <a:t>ldl</a:t>
+            </a:r>
+            <a:r>
+              <a:rPr lang="en-US" dirty="0"/>
+              <a:t>)</a:t>
+            </a:r>
+            <a:endParaRPr lang="en-NZ" dirty="0"/>
+          </a:p>
+        </p:txBody>
+      </p:sp>
     </p:spTree>
     <p:extLst>
       <p:ext uri="{BB962C8B-B14F-4D97-AF65-F5344CB8AC3E}">
@@ -7232,10 +7370,10 @@
       </p:grpSpPr>
       <p:pic>
         <p:nvPicPr>
-          <p:cNvPr id="5" name="Picture 4">
-            <a:extLst>
-              <a:ext uri="{FF2B5EF4-FFF2-40B4-BE49-F238E27FC236}">
-                <a16:creationId xmlns:a16="http://schemas.microsoft.com/office/drawing/2014/main" id="{F330FEC3-CD9B-753F-95F1-8112E9C11E6E}"/>
+          <p:cNvPr id="3" name="Picture 2">
+            <a:extLst>
+              <a:ext uri="{FF2B5EF4-FFF2-40B4-BE49-F238E27FC236}">
+                <a16:creationId xmlns:a16="http://schemas.microsoft.com/office/drawing/2014/main" id="{D20D97D8-7B66-E333-24D9-9C86AF822393}"/>
               </a:ext>
             </a:extLst>
           </p:cNvPr>
@@ -7252,18 +7390,166 @@
         </p:blipFill>
         <p:spPr>
           <a:xfrm>
-            <a:off x="4562393" y="1615440"/>
-            <a:ext cx="7462026" cy="4968240"/>
+            <a:off x="848106" y="1400809"/>
+            <a:ext cx="4905519" cy="3847466"/>
           </a:xfrm>
           <a:prstGeom prst="rect">
             <a:avLst/>
           </a:prstGeom>
         </p:spPr>
       </p:pic>
+      <p:pic>
+        <p:nvPicPr>
+          <p:cNvPr id="5" name="Picture 4">
+            <a:extLst>
+              <a:ext uri="{FF2B5EF4-FFF2-40B4-BE49-F238E27FC236}">
+                <a16:creationId xmlns:a16="http://schemas.microsoft.com/office/drawing/2014/main" id="{3BCAD0A6-77B1-7C00-7B9B-5D8C95244150}"/>
+              </a:ext>
+            </a:extLst>
+          </p:cNvPr>
+          <p:cNvPicPr>
+            <a:picLocks noChangeAspect="1"/>
+          </p:cNvPicPr>
+          <p:nvPr/>
+        </p:nvPicPr>
+        <p:blipFill>
+          <a:blip r:embed="rId3"/>
+          <a:stretch>
+            <a:fillRect/>
+          </a:stretch>
+        </p:blipFill>
+        <p:spPr>
+          <a:xfrm>
+            <a:off x="6568440" y="1400809"/>
+            <a:ext cx="5148407" cy="4037967"/>
+          </a:xfrm>
+          <a:prstGeom prst="rect">
+            <a:avLst/>
+          </a:prstGeom>
+        </p:spPr>
+      </p:pic>
+      <p:sp>
+        <p:nvSpPr>
+          <p:cNvPr id="2" name="TextBox 1">
+            <a:extLst>
+              <a:ext uri="{FF2B5EF4-FFF2-40B4-BE49-F238E27FC236}">
+                <a16:creationId xmlns:a16="http://schemas.microsoft.com/office/drawing/2014/main" id="{6B5DE4F0-E9E7-5CA4-965B-9728780A5720}"/>
+              </a:ext>
+            </a:extLst>
+          </p:cNvPr>
+          <p:cNvSpPr txBox="1"/>
+          <p:nvPr/>
+        </p:nvSpPr>
+        <p:spPr>
+          <a:xfrm>
+            <a:off x="1452357" y="485775"/>
+            <a:ext cx="10635412" cy="477054"/>
+          </a:xfrm>
+          <a:prstGeom prst="rect">
+            <a:avLst/>
+          </a:prstGeom>
+          <a:noFill/>
+        </p:spPr>
+        <p:txBody>
+          <a:bodyPr wrap="none" rtlCol="0">
+            <a:spAutoFit/>
+          </a:bodyPr>
+          <a:lstStyle/>
+          <a:p>
+            <a:r>
+              <a:rPr lang="en-US" sz="2500" dirty="0"/>
+              <a:t>Checking trends of correlation between variables and diabetes </a:t>
+            </a:r>
+            <a:r>
+              <a:rPr lang="en-US" sz="2500" dirty="0" err="1"/>
+              <a:t>desease</a:t>
+            </a:r>
+            <a:endParaRPr lang="en-NZ" sz="2500" dirty="0"/>
+          </a:p>
+        </p:txBody>
+      </p:sp>
+      <p:cxnSp>
+        <p:nvCxnSpPr>
+          <p:cNvPr id="6" name="Straight Arrow Connector 5">
+            <a:extLst>
+              <a:ext uri="{FF2B5EF4-FFF2-40B4-BE49-F238E27FC236}">
+                <a16:creationId xmlns:a16="http://schemas.microsoft.com/office/drawing/2014/main" id="{68939EE1-3A4E-0CC6-74BA-BF219EC4BBA7}"/>
+              </a:ext>
+            </a:extLst>
+          </p:cNvPr>
+          <p:cNvCxnSpPr/>
+          <p:nvPr/>
+        </p:nvCxnSpPr>
+        <p:spPr>
+          <a:xfrm flipV="1">
+            <a:off x="1752600" y="1609725"/>
+            <a:ext cx="3600450" cy="342900"/>
+          </a:xfrm>
+          <a:prstGeom prst="straightConnector1">
+            <a:avLst/>
+          </a:prstGeom>
+          <a:ln>
+            <a:solidFill>
+              <a:srgbClr val="FF0000"/>
+            </a:solidFill>
+            <a:tailEnd type="triangle"/>
+          </a:ln>
+        </p:spPr>
+        <p:style>
+          <a:lnRef idx="3">
+            <a:schemeClr val="accent6"/>
+          </a:lnRef>
+          <a:fillRef idx="0">
+            <a:schemeClr val="accent6"/>
+          </a:fillRef>
+          <a:effectRef idx="2">
+            <a:schemeClr val="accent6"/>
+          </a:effectRef>
+          <a:fontRef idx="minor">
+            <a:schemeClr val="tx1"/>
+          </a:fontRef>
+        </p:style>
+      </p:cxnSp>
+      <p:cxnSp>
+        <p:nvCxnSpPr>
+          <p:cNvPr id="8" name="Straight Connector 7">
+            <a:extLst>
+              <a:ext uri="{FF2B5EF4-FFF2-40B4-BE49-F238E27FC236}">
+                <a16:creationId xmlns:a16="http://schemas.microsoft.com/office/drawing/2014/main" id="{9A92C5D4-739D-6E60-0DE1-0A405C4648D1}"/>
+              </a:ext>
+            </a:extLst>
+          </p:cNvPr>
+          <p:cNvCxnSpPr/>
+          <p:nvPr/>
+        </p:nvCxnSpPr>
+        <p:spPr>
+          <a:xfrm flipV="1">
+            <a:off x="7515225" y="1781175"/>
+            <a:ext cx="3828669" cy="2867025"/>
+          </a:xfrm>
+          <a:prstGeom prst="line">
+            <a:avLst/>
+          </a:prstGeom>
+        </p:spPr>
+        <p:style>
+          <a:lnRef idx="2">
+            <a:schemeClr val="dk1"/>
+          </a:lnRef>
+          <a:fillRef idx="0">
+            <a:schemeClr val="dk1"/>
+          </a:fillRef>
+          <a:effectRef idx="1">
+            <a:schemeClr val="dk1"/>
+          </a:effectRef>
+          <a:fontRef idx="minor">
+            <a:schemeClr val="tx1"/>
+          </a:fontRef>
+        </p:style>
+      </p:cxnSp>
     </p:spTree>
     <p:extLst>
       <p:ext uri="{BB962C8B-B14F-4D97-AF65-F5344CB8AC3E}">
-        <p14:creationId xmlns:p14="http://schemas.microsoft.com/office/powerpoint/2010/main" val="342831778"/>
+        <p14:creationId xmlns:p14="http://schemas.microsoft.com/office/powerpoint/2010/main" val="2797107142"/>
       </p:ext>
     </p:extLst>
   </p:cSld>
@@ -7290,10 +7576,246 @@
           <a:chExt cx="0" cy="0"/>
         </a:xfrm>
       </p:grpSpPr>
+      <p:pic>
+        <p:nvPicPr>
+          <p:cNvPr id="5" name="Picture 4">
+            <a:extLst>
+              <a:ext uri="{FF2B5EF4-FFF2-40B4-BE49-F238E27FC236}">
+                <a16:creationId xmlns:a16="http://schemas.microsoft.com/office/drawing/2014/main" id="{B24A3EA9-C72E-3D3C-A6D7-100B3BAB251F}"/>
+              </a:ext>
+            </a:extLst>
+          </p:cNvPr>
+          <p:cNvPicPr>
+            <a:picLocks noChangeAspect="1"/>
+          </p:cNvPicPr>
+          <p:nvPr/>
+        </p:nvPicPr>
+        <p:blipFill>
+          <a:blip r:embed="rId2"/>
+          <a:stretch>
+            <a:fillRect/>
+          </a:stretch>
+        </p:blipFill>
+        <p:spPr>
+          <a:xfrm>
+            <a:off x="279886" y="1123061"/>
+            <a:ext cx="5058051" cy="3967099"/>
+          </a:xfrm>
+          <a:prstGeom prst="rect">
+            <a:avLst/>
+          </a:prstGeom>
+        </p:spPr>
+      </p:pic>
+      <p:pic>
+        <p:nvPicPr>
+          <p:cNvPr id="7" name="Picture 6">
+            <a:extLst>
+              <a:ext uri="{FF2B5EF4-FFF2-40B4-BE49-F238E27FC236}">
+                <a16:creationId xmlns:a16="http://schemas.microsoft.com/office/drawing/2014/main" id="{4D9254A4-D54A-15FC-03F7-0E89AFA011C2}"/>
+              </a:ext>
+            </a:extLst>
+          </p:cNvPr>
+          <p:cNvPicPr>
+            <a:picLocks noChangeAspect="1"/>
+          </p:cNvPicPr>
+          <p:nvPr/>
+        </p:nvPicPr>
+        <p:blipFill>
+          <a:blip r:embed="rId3"/>
+          <a:stretch>
+            <a:fillRect/>
+          </a:stretch>
+        </p:blipFill>
+        <p:spPr>
+          <a:xfrm>
+            <a:off x="6203166" y="1123060"/>
+            <a:ext cx="5058051" cy="3967099"/>
+          </a:xfrm>
+          <a:prstGeom prst="rect">
+            <a:avLst/>
+          </a:prstGeom>
+        </p:spPr>
+      </p:pic>
+      <p:cxnSp>
+        <p:nvCxnSpPr>
+          <p:cNvPr id="8" name="Straight Connector 7">
+            <a:extLst>
+              <a:ext uri="{FF2B5EF4-FFF2-40B4-BE49-F238E27FC236}">
+                <a16:creationId xmlns:a16="http://schemas.microsoft.com/office/drawing/2014/main" id="{B3D48EBC-70CD-95EB-7F2D-6F6CA242035B}"/>
+              </a:ext>
+            </a:extLst>
+          </p:cNvPr>
+          <p:cNvCxnSpPr/>
+          <p:nvPr/>
+        </p:nvCxnSpPr>
+        <p:spPr>
+          <a:xfrm flipV="1">
+            <a:off x="1119251" y="1673096"/>
+            <a:ext cx="3828669" cy="2867025"/>
+          </a:xfrm>
+          <a:prstGeom prst="line">
+            <a:avLst/>
+          </a:prstGeom>
+        </p:spPr>
+        <p:style>
+          <a:lnRef idx="2">
+            <a:schemeClr val="dk1"/>
+          </a:lnRef>
+          <a:fillRef idx="0">
+            <a:schemeClr val="dk1"/>
+          </a:fillRef>
+          <a:effectRef idx="1">
+            <a:schemeClr val="dk1"/>
+          </a:effectRef>
+          <a:fontRef idx="minor">
+            <a:schemeClr val="tx1"/>
+          </a:fontRef>
+        </p:style>
+      </p:cxnSp>
+      <p:sp>
+        <p:nvSpPr>
+          <p:cNvPr id="9" name="TextBox 8">
+            <a:extLst>
+              <a:ext uri="{FF2B5EF4-FFF2-40B4-BE49-F238E27FC236}">
+                <a16:creationId xmlns:a16="http://schemas.microsoft.com/office/drawing/2014/main" id="{8467879B-D4AA-9727-7574-D3CE3237905A}"/>
+              </a:ext>
+            </a:extLst>
+          </p:cNvPr>
+          <p:cNvSpPr txBox="1"/>
+          <p:nvPr/>
+        </p:nvSpPr>
+        <p:spPr>
+          <a:xfrm>
+            <a:off x="829590" y="445135"/>
+            <a:ext cx="10532820" cy="477054"/>
+          </a:xfrm>
+          <a:prstGeom prst="rect">
+            <a:avLst/>
+          </a:prstGeom>
+          <a:noFill/>
+        </p:spPr>
+        <p:txBody>
+          <a:bodyPr wrap="none" rtlCol="0">
+            <a:spAutoFit/>
+          </a:bodyPr>
+          <a:lstStyle/>
+          <a:p>
+            <a:r>
+              <a:rPr lang="en-US" sz="2500" dirty="0"/>
+              <a:t>Checking trends of correlation between variables and diabetes disease</a:t>
+            </a:r>
+            <a:endParaRPr lang="en-NZ" sz="2500" dirty="0"/>
+          </a:p>
+        </p:txBody>
+      </p:sp>
+      <p:sp>
+        <p:nvSpPr>
+          <p:cNvPr id="10" name="Oval 9">
+            <a:extLst>
+              <a:ext uri="{FF2B5EF4-FFF2-40B4-BE49-F238E27FC236}">
+                <a16:creationId xmlns:a16="http://schemas.microsoft.com/office/drawing/2014/main" id="{58EA6773-7E0D-5088-FB8E-77667655B36A}"/>
+              </a:ext>
+            </a:extLst>
+          </p:cNvPr>
+          <p:cNvSpPr/>
+          <p:nvPr/>
+        </p:nvSpPr>
+        <p:spPr>
+          <a:xfrm>
+            <a:off x="9966960" y="1123060"/>
+            <a:ext cx="1294257" cy="2221865"/>
+          </a:xfrm>
+          <a:prstGeom prst="ellipse">
+            <a:avLst/>
+          </a:prstGeom>
+          <a:noFill/>
+          <a:ln>
+            <a:solidFill>
+              <a:srgbClr val="FF0000"/>
+            </a:solidFill>
+          </a:ln>
+        </p:spPr>
+        <p:style>
+          <a:lnRef idx="2">
+            <a:schemeClr val="accent1">
+              <a:shade val="15000"/>
+            </a:schemeClr>
+          </a:lnRef>
+          <a:fillRef idx="1">
+            <a:schemeClr val="accent1"/>
+          </a:fillRef>
+          <a:effectRef idx="0">
+            <a:schemeClr val="accent1"/>
+          </a:effectRef>
+          <a:fontRef idx="minor">
+            <a:schemeClr val="lt1"/>
+          </a:fontRef>
+        </p:style>
+        <p:txBody>
+          <a:bodyPr rtlCol="0" anchor="ctr"/>
+          <a:lstStyle/>
+          <a:p>
+            <a:pPr algn="ctr"/>
+            <a:endParaRPr lang="en-NZ"/>
+          </a:p>
+        </p:txBody>
+      </p:sp>
+      <p:sp>
+        <p:nvSpPr>
+          <p:cNvPr id="11" name="Oval 10">
+            <a:extLst>
+              <a:ext uri="{FF2B5EF4-FFF2-40B4-BE49-F238E27FC236}">
+                <a16:creationId xmlns:a16="http://schemas.microsoft.com/office/drawing/2014/main" id="{8597EDA9-EE1E-2A93-EB80-FB55B4F5E623}"/>
+              </a:ext>
+            </a:extLst>
+          </p:cNvPr>
+          <p:cNvSpPr/>
+          <p:nvPr/>
+        </p:nvSpPr>
+        <p:spPr>
+          <a:xfrm rot="5400000">
+            <a:off x="8208899" y="751584"/>
+            <a:ext cx="1294257" cy="2221865"/>
+          </a:xfrm>
+          <a:prstGeom prst="ellipse">
+            <a:avLst/>
+          </a:prstGeom>
+          <a:noFill/>
+          <a:ln>
+            <a:solidFill>
+              <a:srgbClr val="FF0000"/>
+            </a:solidFill>
+          </a:ln>
+        </p:spPr>
+        <p:style>
+          <a:lnRef idx="2">
+            <a:schemeClr val="accent1">
+              <a:shade val="15000"/>
+            </a:schemeClr>
+          </a:lnRef>
+          <a:fillRef idx="1">
+            <a:schemeClr val="accent1"/>
+          </a:fillRef>
+          <a:effectRef idx="0">
+            <a:schemeClr val="accent1"/>
+          </a:effectRef>
+          <a:fontRef idx="minor">
+            <a:schemeClr val="lt1"/>
+          </a:fontRef>
+        </p:style>
+        <p:txBody>
+          <a:bodyPr rtlCol="0" anchor="ctr"/>
+          <a:lstStyle/>
+          <a:p>
+            <a:pPr algn="ctr"/>
+            <a:endParaRPr lang="en-NZ"/>
+          </a:p>
+        </p:txBody>
+      </p:sp>
     </p:spTree>
     <p:extLst>
       <p:ext uri="{BB962C8B-B14F-4D97-AF65-F5344CB8AC3E}">
-        <p14:creationId xmlns:p14="http://schemas.microsoft.com/office/powerpoint/2010/main" val="2797107142"/>
+        <p14:creationId xmlns:p14="http://schemas.microsoft.com/office/powerpoint/2010/main" val="94172716"/>
       </p:ext>
     </p:extLst>
   </p:cSld>
@@ -7320,10 +7842,364 @@
           <a:chExt cx="0" cy="0"/>
         </a:xfrm>
       </p:grpSpPr>
+      <p:pic>
+        <p:nvPicPr>
+          <p:cNvPr id="5" name="Picture 4">
+            <a:extLst>
+              <a:ext uri="{FF2B5EF4-FFF2-40B4-BE49-F238E27FC236}">
+                <a16:creationId xmlns:a16="http://schemas.microsoft.com/office/drawing/2014/main" id="{F330FEC3-CD9B-753F-95F1-8112E9C11E6E}"/>
+              </a:ext>
+            </a:extLst>
+          </p:cNvPr>
+          <p:cNvPicPr>
+            <a:picLocks noChangeAspect="1"/>
+          </p:cNvPicPr>
+          <p:nvPr/>
+        </p:nvPicPr>
+        <p:blipFill>
+          <a:blip r:embed="rId2"/>
+          <a:stretch>
+            <a:fillRect/>
+          </a:stretch>
+        </p:blipFill>
+        <p:spPr>
+          <a:xfrm>
+            <a:off x="333603" y="2004060"/>
+            <a:ext cx="5309324" cy="3534964"/>
+          </a:xfrm>
+          <a:prstGeom prst="rect">
+            <a:avLst/>
+          </a:prstGeom>
+        </p:spPr>
+      </p:pic>
+      <p:pic>
+        <p:nvPicPr>
+          <p:cNvPr id="3" name="Picture 2">
+            <a:extLst>
+              <a:ext uri="{FF2B5EF4-FFF2-40B4-BE49-F238E27FC236}">
+                <a16:creationId xmlns:a16="http://schemas.microsoft.com/office/drawing/2014/main" id="{609E185B-015D-256A-DF28-409932E4EF9C}"/>
+              </a:ext>
+            </a:extLst>
+          </p:cNvPr>
+          <p:cNvPicPr>
+            <a:picLocks noChangeAspect="1"/>
+          </p:cNvPicPr>
+          <p:nvPr/>
+        </p:nvPicPr>
+        <p:blipFill>
+          <a:blip r:embed="rId3"/>
+          <a:stretch>
+            <a:fillRect/>
+          </a:stretch>
+        </p:blipFill>
+        <p:spPr>
+          <a:xfrm>
+            <a:off x="6263551" y="2004059"/>
+            <a:ext cx="5309324" cy="3534965"/>
+          </a:xfrm>
+          <a:prstGeom prst="rect">
+            <a:avLst/>
+          </a:prstGeom>
+        </p:spPr>
+      </p:pic>
+      <p:sp>
+        <p:nvSpPr>
+          <p:cNvPr id="4" name="TextBox 3">
+            <a:extLst>
+              <a:ext uri="{FF2B5EF4-FFF2-40B4-BE49-F238E27FC236}">
+                <a16:creationId xmlns:a16="http://schemas.microsoft.com/office/drawing/2014/main" id="{68BF3165-C8BD-BACA-176A-D9FB9699D185}"/>
+              </a:ext>
+            </a:extLst>
+          </p:cNvPr>
+          <p:cNvSpPr txBox="1"/>
+          <p:nvPr/>
+        </p:nvSpPr>
+        <p:spPr>
+          <a:xfrm>
+            <a:off x="1552575" y="1381125"/>
+            <a:ext cx="3116302" cy="369332"/>
+          </a:xfrm>
+          <a:prstGeom prst="rect">
+            <a:avLst/>
+          </a:prstGeom>
+          <a:noFill/>
+        </p:spPr>
+        <p:txBody>
+          <a:bodyPr wrap="none" rtlCol="0">
+            <a:spAutoFit/>
+          </a:bodyPr>
+          <a:lstStyle/>
+          <a:p>
+            <a:r>
+              <a:rPr lang="en-US" dirty="0"/>
+              <a:t>Before detection of outliers </a:t>
+            </a:r>
+            <a:endParaRPr lang="en-NZ" dirty="0"/>
+          </a:p>
+        </p:txBody>
+      </p:sp>
+      <p:sp>
+        <p:nvSpPr>
+          <p:cNvPr id="6" name="TextBox 5">
+            <a:extLst>
+              <a:ext uri="{FF2B5EF4-FFF2-40B4-BE49-F238E27FC236}">
+                <a16:creationId xmlns:a16="http://schemas.microsoft.com/office/drawing/2014/main" id="{C254AD87-5187-5BDC-8C26-01F4D791E8A0}"/>
+              </a:ext>
+            </a:extLst>
+          </p:cNvPr>
+          <p:cNvSpPr txBox="1"/>
+          <p:nvPr/>
+        </p:nvSpPr>
+        <p:spPr>
+          <a:xfrm>
+            <a:off x="8045862" y="1381125"/>
+            <a:ext cx="2344296" cy="369332"/>
+          </a:xfrm>
+          <a:prstGeom prst="rect">
+            <a:avLst/>
+          </a:prstGeom>
+          <a:noFill/>
+        </p:spPr>
+        <p:txBody>
+          <a:bodyPr wrap="none" rtlCol="0">
+            <a:spAutoFit/>
+          </a:bodyPr>
+          <a:lstStyle/>
+          <a:p>
+            <a:r>
+              <a:rPr lang="en-US" dirty="0"/>
+              <a:t>Remove out outliers </a:t>
+            </a:r>
+            <a:endParaRPr lang="en-NZ" dirty="0"/>
+          </a:p>
+        </p:txBody>
+      </p:sp>
+      <p:sp>
+        <p:nvSpPr>
+          <p:cNvPr id="7" name="TextBox 6">
+            <a:extLst>
+              <a:ext uri="{FF2B5EF4-FFF2-40B4-BE49-F238E27FC236}">
+                <a16:creationId xmlns:a16="http://schemas.microsoft.com/office/drawing/2014/main" id="{0E8A6054-D918-96F5-6A38-26F2320E541C}"/>
+              </a:ext>
+            </a:extLst>
+          </p:cNvPr>
+          <p:cNvSpPr txBox="1"/>
+          <p:nvPr/>
+        </p:nvSpPr>
+        <p:spPr>
+          <a:xfrm>
+            <a:off x="4178712" y="333375"/>
+            <a:ext cx="3651834" cy="477054"/>
+          </a:xfrm>
+          <a:prstGeom prst="rect">
+            <a:avLst/>
+          </a:prstGeom>
+          <a:noFill/>
+        </p:spPr>
+        <p:txBody>
+          <a:bodyPr wrap="none" rtlCol="0">
+            <a:spAutoFit/>
+          </a:bodyPr>
+          <a:lstStyle/>
+          <a:p>
+            <a:r>
+              <a:rPr lang="en-US" sz="2500" dirty="0"/>
+              <a:t>Box plot of ten features </a:t>
+            </a:r>
+            <a:endParaRPr lang="en-NZ" sz="2500" dirty="0"/>
+          </a:p>
+        </p:txBody>
+      </p:sp>
+    </p:spTree>
+    <p:extLst>
+      <p:ext uri="{BB962C8B-B14F-4D97-AF65-F5344CB8AC3E}">
+        <p14:creationId xmlns:p14="http://schemas.microsoft.com/office/powerpoint/2010/main" val="342831778"/>
+      </p:ext>
+    </p:extLst>
+  </p:cSld>
+  <p:clrMapOvr>
+    <a:masterClrMapping/>
+  </p:clrMapOvr>
+</p:sld>
+</file>
+
+<file path=ppt/slides/slide6.xml><?xml version="1.0" encoding="utf-8"?>
+<p:sld xmlns:a="http://schemas.openxmlformats.org/drawingml/2006/main" xmlns:r="http://schemas.openxmlformats.org/officeDocument/2006/relationships" xmlns:p="http://schemas.openxmlformats.org/presentationml/2006/main">
+  <p:cSld>
+    <p:spTree>
+      <p:nvGrpSpPr>
+        <p:cNvPr id="1" name=""/>
+        <p:cNvGrpSpPr/>
+        <p:nvPr/>
+      </p:nvGrpSpPr>
+      <p:grpSpPr>
+        <a:xfrm>
+          <a:off x="0" y="0"/>
+          <a:ext cx="0" cy="0"/>
+          <a:chOff x="0" y="0"/>
+          <a:chExt cx="0" cy="0"/>
+        </a:xfrm>
+      </p:grpSpPr>
+      <p:pic>
+        <p:nvPicPr>
+          <p:cNvPr id="5" name="Picture 4">
+            <a:extLst>
+              <a:ext uri="{FF2B5EF4-FFF2-40B4-BE49-F238E27FC236}">
+                <a16:creationId xmlns:a16="http://schemas.microsoft.com/office/drawing/2014/main" id="{F1DDE2B3-5043-4C89-8445-8935BEEA47A0}"/>
+              </a:ext>
+            </a:extLst>
+          </p:cNvPr>
+          <p:cNvPicPr>
+            <a:picLocks noChangeAspect="1"/>
+          </p:cNvPicPr>
+          <p:nvPr/>
+        </p:nvPicPr>
+        <p:blipFill>
+          <a:blip r:embed="rId2"/>
+          <a:stretch>
+            <a:fillRect/>
+          </a:stretch>
+        </p:blipFill>
+        <p:spPr>
+          <a:xfrm>
+            <a:off x="375920" y="1809271"/>
+            <a:ext cx="5340198" cy="3582836"/>
+          </a:xfrm>
+          <a:prstGeom prst="rect">
+            <a:avLst/>
+          </a:prstGeom>
+        </p:spPr>
+      </p:pic>
+      <p:sp>
+        <p:nvSpPr>
+          <p:cNvPr id="6" name="TextBox 5">
+            <a:extLst>
+              <a:ext uri="{FF2B5EF4-FFF2-40B4-BE49-F238E27FC236}">
+                <a16:creationId xmlns:a16="http://schemas.microsoft.com/office/drawing/2014/main" id="{B8F88045-852E-885D-D5EA-A23F56AA9DE8}"/>
+              </a:ext>
+            </a:extLst>
+          </p:cNvPr>
+          <p:cNvSpPr txBox="1"/>
+          <p:nvPr/>
+        </p:nvSpPr>
+        <p:spPr>
+          <a:xfrm>
+            <a:off x="829590" y="445135"/>
+            <a:ext cx="3704284" cy="477054"/>
+          </a:xfrm>
+          <a:prstGeom prst="rect">
+            <a:avLst/>
+          </a:prstGeom>
+          <a:noFill/>
+        </p:spPr>
+        <p:txBody>
+          <a:bodyPr wrap="none" rtlCol="0">
+            <a:spAutoFit/>
+          </a:bodyPr>
+          <a:lstStyle/>
+          <a:p>
+            <a:r>
+              <a:rPr lang="en-US" sz="2500" dirty="0"/>
+              <a:t>Simple linear regression</a:t>
+            </a:r>
+            <a:endParaRPr lang="en-NZ" sz="2500" dirty="0"/>
+          </a:p>
+        </p:txBody>
+      </p:sp>
+      <p:pic>
+        <p:nvPicPr>
+          <p:cNvPr id="8" name="Picture 7">
+            <a:extLst>
+              <a:ext uri="{FF2B5EF4-FFF2-40B4-BE49-F238E27FC236}">
+                <a16:creationId xmlns:a16="http://schemas.microsoft.com/office/drawing/2014/main" id="{EE030E69-8018-C2E6-82D8-331B6B470F88}"/>
+              </a:ext>
+            </a:extLst>
+          </p:cNvPr>
+          <p:cNvPicPr>
+            <a:picLocks noChangeAspect="1"/>
+          </p:cNvPicPr>
+          <p:nvPr/>
+        </p:nvPicPr>
+        <p:blipFill>
+          <a:blip r:embed="rId3"/>
+          <a:stretch>
+            <a:fillRect/>
+          </a:stretch>
+        </p:blipFill>
+        <p:spPr>
+          <a:xfrm>
+            <a:off x="6311026" y="1687694"/>
+            <a:ext cx="5423774" cy="3825989"/>
+          </a:xfrm>
+          <a:prstGeom prst="rect">
+            <a:avLst/>
+          </a:prstGeom>
+        </p:spPr>
+      </p:pic>
     </p:spTree>
     <p:extLst>
       <p:ext uri="{BB962C8B-B14F-4D97-AF65-F5344CB8AC3E}">
         <p14:creationId xmlns:p14="http://schemas.microsoft.com/office/powerpoint/2010/main" val="115435939"/>
+      </p:ext>
+    </p:extLst>
+  </p:cSld>
+  <p:clrMapOvr>
+    <a:masterClrMapping/>
+  </p:clrMapOvr>
+</p:sld>
+</file>
+
+<file path=ppt/slides/slide7.xml><?xml version="1.0" encoding="utf-8"?>
+<p:sld xmlns:a="http://schemas.openxmlformats.org/drawingml/2006/main" xmlns:r="http://schemas.openxmlformats.org/officeDocument/2006/relationships" xmlns:p="http://schemas.openxmlformats.org/presentationml/2006/main">
+  <p:cSld>
+    <p:spTree>
+      <p:nvGrpSpPr>
+        <p:cNvPr id="1" name=""/>
+        <p:cNvGrpSpPr/>
+        <p:nvPr/>
+      </p:nvGrpSpPr>
+      <p:grpSpPr>
+        <a:xfrm>
+          <a:off x="0" y="0"/>
+          <a:ext cx="0" cy="0"/>
+          <a:chOff x="0" y="0"/>
+          <a:chExt cx="0" cy="0"/>
+        </a:xfrm>
+      </p:grpSpPr>
+    </p:spTree>
+    <p:extLst>
+      <p:ext uri="{BB962C8B-B14F-4D97-AF65-F5344CB8AC3E}">
+        <p14:creationId xmlns:p14="http://schemas.microsoft.com/office/powerpoint/2010/main" val="3194987268"/>
+      </p:ext>
+    </p:extLst>
+  </p:cSld>
+  <p:clrMapOvr>
+    <a:masterClrMapping/>
+  </p:clrMapOvr>
+</p:sld>
+</file>
+
+<file path=ppt/slides/slide8.xml><?xml version="1.0" encoding="utf-8"?>
+<p:sld xmlns:a="http://schemas.openxmlformats.org/drawingml/2006/main" xmlns:r="http://schemas.openxmlformats.org/officeDocument/2006/relationships" xmlns:p="http://schemas.openxmlformats.org/presentationml/2006/main">
+  <p:cSld>
+    <p:spTree>
+      <p:nvGrpSpPr>
+        <p:cNvPr id="1" name=""/>
+        <p:cNvGrpSpPr/>
+        <p:nvPr/>
+      </p:nvGrpSpPr>
+      <p:grpSpPr>
+        <a:xfrm>
+          <a:off x="0" y="0"/>
+          <a:ext cx="0" cy="0"/>
+          <a:chOff x="0" y="0"/>
+          <a:chExt cx="0" cy="0"/>
+        </a:xfrm>
+      </p:grpSpPr>
+    </p:spTree>
+    <p:extLst>
+      <p:ext uri="{BB962C8B-B14F-4D97-AF65-F5344CB8AC3E}">
+        <p14:creationId xmlns:p14="http://schemas.microsoft.com/office/powerpoint/2010/main" val="713054479"/>
       </p:ext>
     </p:extLst>
   </p:cSld>
